--- a/presentation.pptx
+++ b/presentation.pptx
@@ -265,7 +265,7 @@
           <a:p>
             <a:fld id="{0DC994AA-C437-4EF4-8BEF-0B832D7FA420}" type="datetimeFigureOut">
               <a:rPr lang="en-US" smtClean="0"/>
-              <a:t>4/3/2024</a:t>
+              <a:t>4/4/2024</a:t>
             </a:fld>
             <a:endParaRPr lang="en-US"/>
           </a:p>
@@ -401,7 +401,7 @@
           <a:p>
             <a:fld id="{38B16356-3B28-4AAF-8099-7941810E2475}" type="datetimeFigureOut">
               <a:rPr lang="en-US" smtClean="0"/>
-              <a:t>4/3/2024</a:t>
+              <a:t>4/4/2024</a:t>
             </a:fld>
             <a:endParaRPr lang="en-US"/>
           </a:p>
@@ -1132,7 +1132,10 @@
           <a:bodyPr/>
           <a:lstStyle/>
           <a:p>
-            <a:endParaRPr lang="en-US" dirty="0"/>
+            <a:r>
+              <a:rPr lang="en-US" dirty="0"/>
+              <a:t>To take advantage of such strong growth, this analysis report aims to provide</a:t>
+            </a:r>
           </a:p>
         </p:txBody>
       </p:sp>
@@ -1216,7 +1219,10 @@
           <a:bodyPr/>
           <a:lstStyle/>
           <a:p>
-            <a:endParaRPr lang="en-US" dirty="0"/>
+            <a:r>
+              <a:rPr lang="en-US" dirty="0"/>
+              <a:t>The data used in this analysis came from 3 different sources. The data fields include quantitative such as pro, revenue and average ratings, as well as  categorical data fields such as </a:t>
+            </a:r>
           </a:p>
         </p:txBody>
       </p:sp>
@@ -1748,7 +1754,7 @@
           <a:p>
             <a:fld id="{D6D8061D-18C3-4F4F-85EF-561633F58754}" type="datetimeFigureOut">
               <a:rPr lang="en-US" smtClean="0"/>
-              <a:t>4/3/2024</a:t>
+              <a:t>4/4/2024</a:t>
             </a:fld>
             <a:endParaRPr lang="en-US"/>
           </a:p>
@@ -1946,7 +1952,7 @@
           <a:p>
             <a:fld id="{D6D8061D-18C3-4F4F-85EF-561633F58754}" type="datetimeFigureOut">
               <a:rPr lang="en-US" smtClean="0"/>
-              <a:t>4/3/2024</a:t>
+              <a:t>4/4/2024</a:t>
             </a:fld>
             <a:endParaRPr lang="en-US"/>
           </a:p>
@@ -2154,7 +2160,7 @@
           <a:p>
             <a:fld id="{D6D8061D-18C3-4F4F-85EF-561633F58754}" type="datetimeFigureOut">
               <a:rPr lang="en-US" smtClean="0"/>
-              <a:t>4/3/2024</a:t>
+              <a:t>4/4/2024</a:t>
             </a:fld>
             <a:endParaRPr lang="en-US"/>
           </a:p>
@@ -3005,7 +3011,7 @@
           <a:p>
             <a:fld id="{D6D8061D-18C3-4F4F-85EF-561633F58754}" type="datetimeFigureOut">
               <a:rPr lang="en-US" smtClean="0"/>
-              <a:t>4/3/2024</a:t>
+              <a:t>4/4/2024</a:t>
             </a:fld>
             <a:endParaRPr lang="en-US"/>
           </a:p>
@@ -4430,7 +4436,7 @@
           <a:p>
             <a:fld id="{D6D8061D-18C3-4F4F-85EF-561633F58754}" type="datetimeFigureOut">
               <a:rPr lang="en-US" smtClean="0"/>
-              <a:t>4/3/2024</a:t>
+              <a:t>4/4/2024</a:t>
             </a:fld>
             <a:endParaRPr lang="en-US"/>
           </a:p>
@@ -5144,7 +5150,7 @@
           <a:p>
             <a:fld id="{D6D8061D-18C3-4F4F-85EF-561633F58754}" type="datetimeFigureOut">
               <a:rPr lang="en-US" smtClean="0"/>
-              <a:t>4/3/2024</a:t>
+              <a:t>4/4/2024</a:t>
             </a:fld>
             <a:endParaRPr lang="en-US"/>
           </a:p>
@@ -6050,7 +6056,7 @@
           <a:p>
             <a:fld id="{D6D8061D-18C3-4F4F-85EF-561633F58754}" type="datetimeFigureOut">
               <a:rPr lang="en-US" smtClean="0"/>
-              <a:t>4/3/2024</a:t>
+              <a:t>4/4/2024</a:t>
             </a:fld>
             <a:endParaRPr lang="en-US"/>
           </a:p>
@@ -6325,7 +6331,7 @@
           <a:p>
             <a:fld id="{D6D8061D-18C3-4F4F-85EF-561633F58754}" type="datetimeFigureOut">
               <a:rPr lang="en-US" smtClean="0"/>
-              <a:t>4/3/2024</a:t>
+              <a:t>4/4/2024</a:t>
             </a:fld>
             <a:endParaRPr lang="en-US"/>
           </a:p>
@@ -6591,7 +6597,7 @@
           <a:p>
             <a:fld id="{D6D8061D-18C3-4F4F-85EF-561633F58754}" type="datetimeFigureOut">
               <a:rPr lang="en-US" smtClean="0"/>
-              <a:t>4/3/2024</a:t>
+              <a:t>4/4/2024</a:t>
             </a:fld>
             <a:endParaRPr lang="en-US"/>
           </a:p>
@@ -7008,7 +7014,7 @@
           <a:p>
             <a:fld id="{D6D8061D-18C3-4F4F-85EF-561633F58754}" type="datetimeFigureOut">
               <a:rPr lang="en-US" smtClean="0"/>
-              <a:t>4/3/2024</a:t>
+              <a:t>4/4/2024</a:t>
             </a:fld>
             <a:endParaRPr lang="en-US"/>
           </a:p>
@@ -7149,7 +7155,7 @@
           <a:p>
             <a:fld id="{D6D8061D-18C3-4F4F-85EF-561633F58754}" type="datetimeFigureOut">
               <a:rPr lang="en-US" smtClean="0"/>
-              <a:t>4/3/2024</a:t>
+              <a:t>4/4/2024</a:t>
             </a:fld>
             <a:endParaRPr lang="en-US"/>
           </a:p>
@@ -7262,7 +7268,7 @@
           <a:p>
             <a:fld id="{D6D8061D-18C3-4F4F-85EF-561633F58754}" type="datetimeFigureOut">
               <a:rPr lang="en-US" smtClean="0"/>
-              <a:t>4/3/2024</a:t>
+              <a:t>4/4/2024</a:t>
             </a:fld>
             <a:endParaRPr lang="en-US"/>
           </a:p>
@@ -7573,7 +7579,7 @@
           <a:p>
             <a:fld id="{D6D8061D-18C3-4F4F-85EF-561633F58754}" type="datetimeFigureOut">
               <a:rPr lang="en-US" smtClean="0"/>
-              <a:t>4/3/2024</a:t>
+              <a:t>4/4/2024</a:t>
             </a:fld>
             <a:endParaRPr lang="en-US"/>
           </a:p>
@@ -7864,7 +7870,7 @@
           <a:p>
             <a:fld id="{D6D8061D-18C3-4F4F-85EF-561633F58754}" type="datetimeFigureOut">
               <a:rPr lang="en-US" smtClean="0"/>
-              <a:t>4/3/2024</a:t>
+              <a:t>4/4/2024</a:t>
             </a:fld>
             <a:endParaRPr lang="en-US"/>
           </a:p>
@@ -8423,7 +8429,7 @@
           <a:p>
             <a:fld id="{D6D8061D-18C3-4F4F-85EF-561633F58754}" type="datetimeFigureOut">
               <a:rPr lang="en-US" smtClean="0"/>
-              <a:t>4/3/2024</a:t>
+              <a:t>4/4/2024</a:t>
             </a:fld>
             <a:endParaRPr lang="en-US"/>
           </a:p>
@@ -10329,13 +10335,16 @@
           </a:bodyPr>
           <a:lstStyle/>
           <a:p>
+            <a:endParaRPr lang="en-US" sz="2800" dirty="0"/>
+          </a:p>
+          <a:p>
             <a:pPr>
               <a:buFont typeface="Arial" panose="020B0604020202020204" pitchFamily="34" charset="0"/>
               <a:buChar char="•"/>
             </a:pPr>
             <a:r>
               <a:rPr lang="en-US" sz="2800" dirty="0"/>
-              <a:t> General trends of the industry</a:t>
+              <a:t> Return on investment (ROI) as measurement used to determine a movie’s success</a:t>
             </a:r>
           </a:p>
           <a:p>
@@ -10345,7 +10354,7 @@
             </a:pPr>
             <a:r>
               <a:rPr lang="en-US" sz="2800" dirty="0"/>
-              <a:t> Return on investment (ROI) as measurement used to determine a movie’s success</a:t>
+              <a:t> ROI = Gross revenue / Production Cost - 1</a:t>
             </a:r>
           </a:p>
           <a:p>
